--- a/pre_speech_emotion_recognition.pptx
+++ b/pre_speech_emotion_recognition.pptx
@@ -275,6 +275,11 @@
       </a:defRPr>
     </a:lvl9pPr>
   </p:defaultTextStyle>
+  <p:extLst>
+    <p:ext uri="{EFAFB233-063F-42B5-8137-9DF3F51BA10A}">
+      <p15:sldGuideLst xmlns:p15="http://schemas.microsoft.com/office/powerpoint/2012/main"/>
+    </p:ext>
+  </p:extLst>
 </p:presentation>
 </file>
 
@@ -5528,16 +5533,6 @@
           </a:lstStyle>
           <a:p>
             <a:r>
-              <a:rPr lang="en-US" sz="1800" dirty="0" err="1"/>
-              <a:t>Visium</a:t>
-            </a:r>
-            <a:r>
-              <a:rPr lang="en-US" sz="1800" dirty="0"/>
-              <a:t> Use case</a:t>
-            </a:r>
-          </a:p>
-          <a:p>
-            <a:r>
               <a:rPr lang="en-US" sz="1800" dirty="0"/>
               <a:t>Bohan Wang</a:t>
             </a:r>
@@ -7117,304 +7112,6 @@
               <a:t>THANKS!</a:t>
             </a:r>
             <a:endParaRPr lang="en-US" sz="6000" dirty="0"/>
-          </a:p>
-        </p:txBody>
-      </p:sp>
-      <p:sp>
-        <p:nvSpPr>
-          <p:cNvPr id="8" name="Google Shape;95;p17">
-            <a:extLst>
-              <a:ext uri="{FF2B5EF4-FFF2-40B4-BE49-F238E27FC236}">
-                <a16:creationId xmlns:a16="http://schemas.microsoft.com/office/drawing/2014/main" id="{56E60451-DA26-600A-15D1-F87F512EE53C}"/>
-              </a:ext>
-            </a:extLst>
-          </p:cNvPr>
-          <p:cNvSpPr txBox="1">
-            <a:spLocks/>
-          </p:cNvSpPr>
-          <p:nvPr/>
-        </p:nvSpPr>
-        <p:spPr>
-          <a:xfrm>
-            <a:off x="523411" y="4415504"/>
-            <a:ext cx="7209263" cy="784800"/>
-          </a:xfrm>
-          <a:prstGeom prst="rect">
-            <a:avLst/>
-          </a:prstGeom>
-          <a:noFill/>
-          <a:ln>
-            <a:noFill/>
-          </a:ln>
-        </p:spPr>
-        <p:txBody>
-          <a:bodyPr spcFirstLastPara="1" wrap="square" lIns="0" tIns="0" rIns="0" bIns="0" anchor="t" anchorCtr="0">
-            <a:noAutofit/>
-          </a:bodyPr>
-          <a:lstStyle>
-            <a:defPPr marR="0" lvl="0" algn="l" rtl="0">
-              <a:lnSpc>
-                <a:spcPct val="100000"/>
-              </a:lnSpc>
-              <a:spcBef>
-                <a:spcPts val="0"/>
-              </a:spcBef>
-              <a:spcAft>
-                <a:spcPts val="0"/>
-              </a:spcAft>
-            </a:defPPr>
-            <a:lvl1pPr marL="457200" marR="0" lvl="0" indent="-381000" algn="l" rtl="0">
-              <a:lnSpc>
-                <a:spcPct val="100000"/>
-              </a:lnSpc>
-              <a:spcBef>
-                <a:spcPts val="600"/>
-              </a:spcBef>
-              <a:spcAft>
-                <a:spcPts val="0"/>
-              </a:spcAft>
-              <a:buClr>
-                <a:srgbClr val="7DFFB1"/>
-              </a:buClr>
-              <a:buSzPts val="2400"/>
-              <a:buFont typeface="Titillium Web Light"/>
-              <a:buChar char="▰"/>
-              <a:defRPr sz="2400" b="0" i="0" u="none" strike="noStrike" cap="none">
-                <a:solidFill>
-                  <a:schemeClr val="lt1"/>
-                </a:solidFill>
-                <a:latin typeface="Titillium Web Light"/>
-                <a:ea typeface="Titillium Web Light"/>
-                <a:cs typeface="Titillium Web Light"/>
-                <a:sym typeface="Titillium Web Light"/>
-              </a:defRPr>
-            </a:lvl1pPr>
-            <a:lvl2pPr marL="914400" marR="0" lvl="1" indent="-381000" algn="l" rtl="0">
-              <a:lnSpc>
-                <a:spcPct val="100000"/>
-              </a:lnSpc>
-              <a:spcBef>
-                <a:spcPts val="0"/>
-              </a:spcBef>
-              <a:spcAft>
-                <a:spcPts val="0"/>
-              </a:spcAft>
-              <a:buClr>
-                <a:schemeClr val="lt1"/>
-              </a:buClr>
-              <a:buSzPts val="2400"/>
-              <a:buFont typeface="Titillium Web Light"/>
-              <a:buChar char="○"/>
-              <a:defRPr sz="2400" b="0" i="0" u="none" strike="noStrike" cap="none">
-                <a:solidFill>
-                  <a:schemeClr val="lt1"/>
-                </a:solidFill>
-                <a:latin typeface="Titillium Web Light"/>
-                <a:ea typeface="Titillium Web Light"/>
-                <a:cs typeface="Titillium Web Light"/>
-                <a:sym typeface="Titillium Web Light"/>
-              </a:defRPr>
-            </a:lvl2pPr>
-            <a:lvl3pPr marL="1371600" marR="0" lvl="2" indent="-381000" algn="l" rtl="0">
-              <a:lnSpc>
-                <a:spcPct val="100000"/>
-              </a:lnSpc>
-              <a:spcBef>
-                <a:spcPts val="0"/>
-              </a:spcBef>
-              <a:spcAft>
-                <a:spcPts val="0"/>
-              </a:spcAft>
-              <a:buClr>
-                <a:schemeClr val="lt1"/>
-              </a:buClr>
-              <a:buSzPts val="2400"/>
-              <a:buFont typeface="Titillium Web Light"/>
-              <a:buChar char="■"/>
-              <a:defRPr sz="2400" b="0" i="0" u="none" strike="noStrike" cap="none">
-                <a:solidFill>
-                  <a:schemeClr val="lt1"/>
-                </a:solidFill>
-                <a:latin typeface="Titillium Web Light"/>
-                <a:ea typeface="Titillium Web Light"/>
-                <a:cs typeface="Titillium Web Light"/>
-                <a:sym typeface="Titillium Web Light"/>
-              </a:defRPr>
-            </a:lvl3pPr>
-            <a:lvl4pPr marL="1828800" marR="0" lvl="3" indent="-381000" algn="l" rtl="0">
-              <a:lnSpc>
-                <a:spcPct val="100000"/>
-              </a:lnSpc>
-              <a:spcBef>
-                <a:spcPts val="0"/>
-              </a:spcBef>
-              <a:spcAft>
-                <a:spcPts val="0"/>
-              </a:spcAft>
-              <a:buClr>
-                <a:schemeClr val="lt1"/>
-              </a:buClr>
-              <a:buSzPts val="2400"/>
-              <a:buFont typeface="Titillium Web Light"/>
-              <a:buChar char="●"/>
-              <a:defRPr sz="2400" b="0" i="0" u="none" strike="noStrike" cap="none">
-                <a:solidFill>
-                  <a:schemeClr val="lt1"/>
-                </a:solidFill>
-                <a:latin typeface="Titillium Web Light"/>
-                <a:ea typeface="Titillium Web Light"/>
-                <a:cs typeface="Titillium Web Light"/>
-                <a:sym typeface="Titillium Web Light"/>
-              </a:defRPr>
-            </a:lvl4pPr>
-            <a:lvl5pPr marL="2286000" marR="0" lvl="4" indent="-381000" algn="l" rtl="0">
-              <a:lnSpc>
-                <a:spcPct val="100000"/>
-              </a:lnSpc>
-              <a:spcBef>
-                <a:spcPts val="0"/>
-              </a:spcBef>
-              <a:spcAft>
-                <a:spcPts val="0"/>
-              </a:spcAft>
-              <a:buClr>
-                <a:schemeClr val="lt1"/>
-              </a:buClr>
-              <a:buSzPts val="2400"/>
-              <a:buFont typeface="Titillium Web Light"/>
-              <a:buChar char="○"/>
-              <a:defRPr sz="2400" b="0" i="0" u="none" strike="noStrike" cap="none">
-                <a:solidFill>
-                  <a:schemeClr val="lt1"/>
-                </a:solidFill>
-                <a:latin typeface="Titillium Web Light"/>
-                <a:ea typeface="Titillium Web Light"/>
-                <a:cs typeface="Titillium Web Light"/>
-                <a:sym typeface="Titillium Web Light"/>
-              </a:defRPr>
-            </a:lvl5pPr>
-            <a:lvl6pPr marL="2743200" marR="0" lvl="5" indent="-381000" algn="l" rtl="0">
-              <a:lnSpc>
-                <a:spcPct val="100000"/>
-              </a:lnSpc>
-              <a:spcBef>
-                <a:spcPts val="0"/>
-              </a:spcBef>
-              <a:spcAft>
-                <a:spcPts val="0"/>
-              </a:spcAft>
-              <a:buClr>
-                <a:schemeClr val="lt1"/>
-              </a:buClr>
-              <a:buSzPts val="2400"/>
-              <a:buFont typeface="Titillium Web Light"/>
-              <a:buChar char="■"/>
-              <a:defRPr sz="2400" b="0" i="0" u="none" strike="noStrike" cap="none">
-                <a:solidFill>
-                  <a:schemeClr val="lt1"/>
-                </a:solidFill>
-                <a:latin typeface="Titillium Web Light"/>
-                <a:ea typeface="Titillium Web Light"/>
-                <a:cs typeface="Titillium Web Light"/>
-                <a:sym typeface="Titillium Web Light"/>
-              </a:defRPr>
-            </a:lvl6pPr>
-            <a:lvl7pPr marL="3200400" marR="0" lvl="6" indent="-381000" algn="l" rtl="0">
-              <a:lnSpc>
-                <a:spcPct val="100000"/>
-              </a:lnSpc>
-              <a:spcBef>
-                <a:spcPts val="0"/>
-              </a:spcBef>
-              <a:spcAft>
-                <a:spcPts val="0"/>
-              </a:spcAft>
-              <a:buClr>
-                <a:schemeClr val="lt1"/>
-              </a:buClr>
-              <a:buSzPts val="2400"/>
-              <a:buFont typeface="Titillium Web Light"/>
-              <a:buChar char="●"/>
-              <a:defRPr sz="2400" b="0" i="0" u="none" strike="noStrike" cap="none">
-                <a:solidFill>
-                  <a:schemeClr val="lt1"/>
-                </a:solidFill>
-                <a:latin typeface="Titillium Web Light"/>
-                <a:ea typeface="Titillium Web Light"/>
-                <a:cs typeface="Titillium Web Light"/>
-                <a:sym typeface="Titillium Web Light"/>
-              </a:defRPr>
-            </a:lvl7pPr>
-            <a:lvl8pPr marL="3657600" marR="0" lvl="7" indent="-381000" algn="l" rtl="0">
-              <a:lnSpc>
-                <a:spcPct val="100000"/>
-              </a:lnSpc>
-              <a:spcBef>
-                <a:spcPts val="0"/>
-              </a:spcBef>
-              <a:spcAft>
-                <a:spcPts val="0"/>
-              </a:spcAft>
-              <a:buClr>
-                <a:schemeClr val="lt1"/>
-              </a:buClr>
-              <a:buSzPts val="2400"/>
-              <a:buFont typeface="Titillium Web Light"/>
-              <a:buChar char="○"/>
-              <a:defRPr sz="2400" b="0" i="0" u="none" strike="noStrike" cap="none">
-                <a:solidFill>
-                  <a:schemeClr val="lt1"/>
-                </a:solidFill>
-                <a:latin typeface="Titillium Web Light"/>
-                <a:ea typeface="Titillium Web Light"/>
-                <a:cs typeface="Titillium Web Light"/>
-                <a:sym typeface="Titillium Web Light"/>
-              </a:defRPr>
-            </a:lvl8pPr>
-            <a:lvl9pPr marL="4114800" marR="0" lvl="8" indent="-381000" algn="l" rtl="0">
-              <a:lnSpc>
-                <a:spcPct val="100000"/>
-              </a:lnSpc>
-              <a:spcBef>
-                <a:spcPts val="0"/>
-              </a:spcBef>
-              <a:spcAft>
-                <a:spcPts val="0"/>
-              </a:spcAft>
-              <a:buClr>
-                <a:schemeClr val="lt1"/>
-              </a:buClr>
-              <a:buSzPts val="2400"/>
-              <a:buFont typeface="Titillium Web Light"/>
-              <a:buChar char="■"/>
-              <a:defRPr sz="2400" b="0" i="0" u="none" strike="noStrike" cap="none">
-                <a:solidFill>
-                  <a:schemeClr val="lt1"/>
-                </a:solidFill>
-                <a:latin typeface="Titillium Web Light"/>
-                <a:ea typeface="Titillium Web Light"/>
-                <a:cs typeface="Titillium Web Light"/>
-                <a:sym typeface="Titillium Web Light"/>
-              </a:defRPr>
-            </a:lvl9pPr>
-          </a:lstStyle>
-          <a:p>
-            <a:pPr marL="0" indent="0">
-              <a:buFont typeface="Titillium Web Light"/>
-              <a:buNone/>
-            </a:pPr>
-            <a:r>
-              <a:rPr lang="en-GB" sz="1200" b="1" dirty="0"/>
-              <a:t>I am so sorry not to finish the Docker file and Flask API. I am not familiar with the two tools. If I have the chance to do an internship at </a:t>
-            </a:r>
-            <a:r>
-              <a:rPr lang="en-GB" sz="1200" b="1" dirty="0" err="1"/>
-              <a:t>Visium</a:t>
-            </a:r>
-            <a:r>
-              <a:rPr lang="en-GB" sz="1200" b="1" dirty="0"/>
-              <a:t>, I will learn the two tools as soon as possible. I am sorry, again.</a:t>
-            </a:r>
           </a:p>
         </p:txBody>
       </p:sp>
